--- a/ppt 16-9/1584.主,祢最爱我.pptx
+++ b/ppt 16-9/1584.主,祢最爱我.pptx
@@ -129,7 +129,7 @@
           <p:cNvPr id="2" name="标题 1">
             <a:extLst>
               <a:ext uri="{FF2B5EF4-FFF2-40B4-BE49-F238E27FC236}">
-                <a16:creationId xmlns:a16="http://schemas.microsoft.com/office/drawing/2014/main" id="{CCEE2DD1-CE64-C8AF-A44F-ED172CF6A8CE}"/>
+                <a16:creationId xmlns:a16="http://schemas.microsoft.com/office/drawing/2014/main" id="{471B3B91-75C0-8BF7-E9F7-B02F28B39453}"/>
               </a:ext>
             </a:extLst>
           </p:cNvPr>
@@ -166,7 +166,7 @@
           <p:cNvPr id="3" name="副标题 2">
             <a:extLst>
               <a:ext uri="{FF2B5EF4-FFF2-40B4-BE49-F238E27FC236}">
-                <a16:creationId xmlns:a16="http://schemas.microsoft.com/office/drawing/2014/main" id="{B8FF0B6F-189B-48DB-8E51-C0E35CD9D77F}"/>
+                <a16:creationId xmlns:a16="http://schemas.microsoft.com/office/drawing/2014/main" id="{94B5E61A-0476-1F66-6442-2AFB72EA07DB}"/>
               </a:ext>
             </a:extLst>
           </p:cNvPr>
@@ -236,7 +236,7 @@
           <p:cNvPr id="4" name="日期占位符 3">
             <a:extLst>
               <a:ext uri="{FF2B5EF4-FFF2-40B4-BE49-F238E27FC236}">
-                <a16:creationId xmlns:a16="http://schemas.microsoft.com/office/drawing/2014/main" id="{EDBA1273-EA59-5893-5C5B-1EF017AA1EF2}"/>
+                <a16:creationId xmlns:a16="http://schemas.microsoft.com/office/drawing/2014/main" id="{50F1AFFD-CE70-6FD7-6512-9A1813F42EF2}"/>
               </a:ext>
             </a:extLst>
           </p:cNvPr>
@@ -252,7 +252,7 @@
           <a:bodyPr/>
           <a:lstStyle/>
           <a:p>
-            <a:fld id="{23F7F69E-0ECB-4D38-9E86-E9B459221D34}" type="datetimeFigureOut">
+            <a:fld id="{D30E4AF2-CB2E-42C3-AC16-61C584CF3D99}" type="datetimeFigureOut">
               <a:rPr lang="zh-CN" altLang="en-US" smtClean="0"/>
               <a:t>2024/3/10</a:t>
             </a:fld>
@@ -265,7 +265,7 @@
           <p:cNvPr id="5" name="页脚占位符 4">
             <a:extLst>
               <a:ext uri="{FF2B5EF4-FFF2-40B4-BE49-F238E27FC236}">
-                <a16:creationId xmlns:a16="http://schemas.microsoft.com/office/drawing/2014/main" id="{E66371F9-9109-CC5C-AAA7-539C2AD437E7}"/>
+                <a16:creationId xmlns:a16="http://schemas.microsoft.com/office/drawing/2014/main" id="{F26BA9AF-F3B0-41B1-0BF8-D2C6A028CE64}"/>
               </a:ext>
             </a:extLst>
           </p:cNvPr>
@@ -290,7 +290,7 @@
           <p:cNvPr id="6" name="灯片编号占位符 5">
             <a:extLst>
               <a:ext uri="{FF2B5EF4-FFF2-40B4-BE49-F238E27FC236}">
-                <a16:creationId xmlns:a16="http://schemas.microsoft.com/office/drawing/2014/main" id="{A2F7A176-D11E-D02B-6492-61CBBC087374}"/>
+                <a16:creationId xmlns:a16="http://schemas.microsoft.com/office/drawing/2014/main" id="{88C04727-E5F6-41C9-9AE2-679E23CCC776}"/>
               </a:ext>
             </a:extLst>
           </p:cNvPr>
@@ -306,7 +306,7 @@
           <a:bodyPr/>
           <a:lstStyle/>
           <a:p>
-            <a:fld id="{4E8D0D2B-D10B-4E89-80A3-C7707E7E02FC}" type="slidenum">
+            <a:fld id="{9CC98D00-6EA9-43CD-A69A-B06897DADFE1}" type="slidenum">
               <a:rPr lang="zh-CN" altLang="en-US" smtClean="0"/>
               <a:t>‹#›</a:t>
             </a:fld>
@@ -317,7 +317,7 @@
     </p:spTree>
     <p:extLst>
       <p:ext uri="{BB962C8B-B14F-4D97-AF65-F5344CB8AC3E}">
-        <p14:creationId xmlns:p14="http://schemas.microsoft.com/office/powerpoint/2010/main" val="2903230653"/>
+        <p14:creationId xmlns:p14="http://schemas.microsoft.com/office/powerpoint/2010/main" val="1257382846"/>
       </p:ext>
     </p:extLst>
   </p:cSld>
@@ -349,7 +349,7 @@
           <p:cNvPr id="2" name="标题 1">
             <a:extLst>
               <a:ext uri="{FF2B5EF4-FFF2-40B4-BE49-F238E27FC236}">
-                <a16:creationId xmlns:a16="http://schemas.microsoft.com/office/drawing/2014/main" id="{0D48E097-6C26-4C71-77E4-6DC652A3E459}"/>
+                <a16:creationId xmlns:a16="http://schemas.microsoft.com/office/drawing/2014/main" id="{46EF2DBF-3F92-EAD0-ABDC-A767F735F1CD}"/>
               </a:ext>
             </a:extLst>
           </p:cNvPr>
@@ -377,7 +377,7 @@
           <p:cNvPr id="3" name="竖排文字占位符 2">
             <a:extLst>
               <a:ext uri="{FF2B5EF4-FFF2-40B4-BE49-F238E27FC236}">
-                <a16:creationId xmlns:a16="http://schemas.microsoft.com/office/drawing/2014/main" id="{710BFA14-E55A-4478-B7C8-E16B3D56C973}"/>
+                <a16:creationId xmlns:a16="http://schemas.microsoft.com/office/drawing/2014/main" id="{CEC78044-3B1D-1690-F80A-5D1E505A2D5E}"/>
               </a:ext>
             </a:extLst>
           </p:cNvPr>
@@ -434,7 +434,7 @@
           <p:cNvPr id="4" name="日期占位符 3">
             <a:extLst>
               <a:ext uri="{FF2B5EF4-FFF2-40B4-BE49-F238E27FC236}">
-                <a16:creationId xmlns:a16="http://schemas.microsoft.com/office/drawing/2014/main" id="{4DFA7EEC-5D40-4853-ABBE-8572E9CD6314}"/>
+                <a16:creationId xmlns:a16="http://schemas.microsoft.com/office/drawing/2014/main" id="{1FD2ADA7-961C-95A7-1EFD-0FA65118C3FB}"/>
               </a:ext>
             </a:extLst>
           </p:cNvPr>
@@ -450,7 +450,7 @@
           <a:bodyPr/>
           <a:lstStyle/>
           <a:p>
-            <a:fld id="{23F7F69E-0ECB-4D38-9E86-E9B459221D34}" type="datetimeFigureOut">
+            <a:fld id="{D30E4AF2-CB2E-42C3-AC16-61C584CF3D99}" type="datetimeFigureOut">
               <a:rPr lang="zh-CN" altLang="en-US" smtClean="0"/>
               <a:t>2024/3/10</a:t>
             </a:fld>
@@ -463,7 +463,7 @@
           <p:cNvPr id="5" name="页脚占位符 4">
             <a:extLst>
               <a:ext uri="{FF2B5EF4-FFF2-40B4-BE49-F238E27FC236}">
-                <a16:creationId xmlns:a16="http://schemas.microsoft.com/office/drawing/2014/main" id="{EC33F143-BD89-96F4-2173-1B121D8EDEAF}"/>
+                <a16:creationId xmlns:a16="http://schemas.microsoft.com/office/drawing/2014/main" id="{0EC7EF71-59CB-D8C7-32E2-363712EEC272}"/>
               </a:ext>
             </a:extLst>
           </p:cNvPr>
@@ -488,7 +488,7 @@
           <p:cNvPr id="6" name="灯片编号占位符 5">
             <a:extLst>
               <a:ext uri="{FF2B5EF4-FFF2-40B4-BE49-F238E27FC236}">
-                <a16:creationId xmlns:a16="http://schemas.microsoft.com/office/drawing/2014/main" id="{135573F4-9DBF-7170-64CD-354519739933}"/>
+                <a16:creationId xmlns:a16="http://schemas.microsoft.com/office/drawing/2014/main" id="{BFF8493F-E7CD-8A90-FF05-57C4FF410A62}"/>
               </a:ext>
             </a:extLst>
           </p:cNvPr>
@@ -504,7 +504,7 @@
           <a:bodyPr/>
           <a:lstStyle/>
           <a:p>
-            <a:fld id="{4E8D0D2B-D10B-4E89-80A3-C7707E7E02FC}" type="slidenum">
+            <a:fld id="{9CC98D00-6EA9-43CD-A69A-B06897DADFE1}" type="slidenum">
               <a:rPr lang="zh-CN" altLang="en-US" smtClean="0"/>
               <a:t>‹#›</a:t>
             </a:fld>
@@ -515,7 +515,7 @@
     </p:spTree>
     <p:extLst>
       <p:ext uri="{BB962C8B-B14F-4D97-AF65-F5344CB8AC3E}">
-        <p14:creationId xmlns:p14="http://schemas.microsoft.com/office/powerpoint/2010/main" val="2671486500"/>
+        <p14:creationId xmlns:p14="http://schemas.microsoft.com/office/powerpoint/2010/main" val="4191070672"/>
       </p:ext>
     </p:extLst>
   </p:cSld>
@@ -547,7 +547,7 @@
           <p:cNvPr id="2" name="竖排标题 1">
             <a:extLst>
               <a:ext uri="{FF2B5EF4-FFF2-40B4-BE49-F238E27FC236}">
-                <a16:creationId xmlns:a16="http://schemas.microsoft.com/office/drawing/2014/main" id="{15E37A6A-36A5-9850-D708-7C514B268D8B}"/>
+                <a16:creationId xmlns:a16="http://schemas.microsoft.com/office/drawing/2014/main" id="{D400CA05-C12C-1535-4767-C01D74BEDF30}"/>
               </a:ext>
             </a:extLst>
           </p:cNvPr>
@@ -580,7 +580,7 @@
           <p:cNvPr id="3" name="竖排文字占位符 2">
             <a:extLst>
               <a:ext uri="{FF2B5EF4-FFF2-40B4-BE49-F238E27FC236}">
-                <a16:creationId xmlns:a16="http://schemas.microsoft.com/office/drawing/2014/main" id="{E03B79BD-362A-6372-23D7-D7C238DDC67D}"/>
+                <a16:creationId xmlns:a16="http://schemas.microsoft.com/office/drawing/2014/main" id="{4F293B18-3BD4-8821-AE43-D77903F364C4}"/>
               </a:ext>
             </a:extLst>
           </p:cNvPr>
@@ -642,7 +642,7 @@
           <p:cNvPr id="4" name="日期占位符 3">
             <a:extLst>
               <a:ext uri="{FF2B5EF4-FFF2-40B4-BE49-F238E27FC236}">
-                <a16:creationId xmlns:a16="http://schemas.microsoft.com/office/drawing/2014/main" id="{E16F12E9-11D0-CE76-B6AC-4AC8679D900E}"/>
+                <a16:creationId xmlns:a16="http://schemas.microsoft.com/office/drawing/2014/main" id="{0613DC90-6D0E-3380-32BB-C01A0C08AD3E}"/>
               </a:ext>
             </a:extLst>
           </p:cNvPr>
@@ -658,7 +658,7 @@
           <a:bodyPr/>
           <a:lstStyle/>
           <a:p>
-            <a:fld id="{23F7F69E-0ECB-4D38-9E86-E9B459221D34}" type="datetimeFigureOut">
+            <a:fld id="{D30E4AF2-CB2E-42C3-AC16-61C584CF3D99}" type="datetimeFigureOut">
               <a:rPr lang="zh-CN" altLang="en-US" smtClean="0"/>
               <a:t>2024/3/10</a:t>
             </a:fld>
@@ -671,7 +671,7 @@
           <p:cNvPr id="5" name="页脚占位符 4">
             <a:extLst>
               <a:ext uri="{FF2B5EF4-FFF2-40B4-BE49-F238E27FC236}">
-                <a16:creationId xmlns:a16="http://schemas.microsoft.com/office/drawing/2014/main" id="{EB145069-E3F6-7286-3A06-D02BF6792B50}"/>
+                <a16:creationId xmlns:a16="http://schemas.microsoft.com/office/drawing/2014/main" id="{D4D293D6-4E1B-E337-A86A-02591206DB20}"/>
               </a:ext>
             </a:extLst>
           </p:cNvPr>
@@ -696,7 +696,7 @@
           <p:cNvPr id="6" name="灯片编号占位符 5">
             <a:extLst>
               <a:ext uri="{FF2B5EF4-FFF2-40B4-BE49-F238E27FC236}">
-                <a16:creationId xmlns:a16="http://schemas.microsoft.com/office/drawing/2014/main" id="{1C4591E5-E7AA-27D1-1989-12A1CA780412}"/>
+                <a16:creationId xmlns:a16="http://schemas.microsoft.com/office/drawing/2014/main" id="{5E695A54-7F87-86EE-70E8-B2A376E34F41}"/>
               </a:ext>
             </a:extLst>
           </p:cNvPr>
@@ -712,7 +712,7 @@
           <a:bodyPr/>
           <a:lstStyle/>
           <a:p>
-            <a:fld id="{4E8D0D2B-D10B-4E89-80A3-C7707E7E02FC}" type="slidenum">
+            <a:fld id="{9CC98D00-6EA9-43CD-A69A-B06897DADFE1}" type="slidenum">
               <a:rPr lang="zh-CN" altLang="en-US" smtClean="0"/>
               <a:t>‹#›</a:t>
             </a:fld>
@@ -723,7 +723,7 @@
     </p:spTree>
     <p:extLst>
       <p:ext uri="{BB962C8B-B14F-4D97-AF65-F5344CB8AC3E}">
-        <p14:creationId xmlns:p14="http://schemas.microsoft.com/office/powerpoint/2010/main" val="2006063014"/>
+        <p14:creationId xmlns:p14="http://schemas.microsoft.com/office/powerpoint/2010/main" val="384509617"/>
       </p:ext>
     </p:extLst>
   </p:cSld>
@@ -755,7 +755,7 @@
           <p:cNvPr id="2" name="标题 1">
             <a:extLst>
               <a:ext uri="{FF2B5EF4-FFF2-40B4-BE49-F238E27FC236}">
-                <a16:creationId xmlns:a16="http://schemas.microsoft.com/office/drawing/2014/main" id="{C3C8A85D-0A28-A19D-BCAC-B773891B24A6}"/>
+                <a16:creationId xmlns:a16="http://schemas.microsoft.com/office/drawing/2014/main" id="{5439C0CC-9291-1CD9-AFCA-C5D3BE31A02E}"/>
               </a:ext>
             </a:extLst>
           </p:cNvPr>
@@ -783,7 +783,7 @@
           <p:cNvPr id="3" name="内容占位符 2">
             <a:extLst>
               <a:ext uri="{FF2B5EF4-FFF2-40B4-BE49-F238E27FC236}">
-                <a16:creationId xmlns:a16="http://schemas.microsoft.com/office/drawing/2014/main" id="{8265CE82-42DC-D59F-1E88-1A8C83AAFA97}"/>
+                <a16:creationId xmlns:a16="http://schemas.microsoft.com/office/drawing/2014/main" id="{7D227B65-F768-A32B-2D91-A3C8AA4F9F30}"/>
               </a:ext>
             </a:extLst>
           </p:cNvPr>
@@ -840,7 +840,7 @@
           <p:cNvPr id="4" name="日期占位符 3">
             <a:extLst>
               <a:ext uri="{FF2B5EF4-FFF2-40B4-BE49-F238E27FC236}">
-                <a16:creationId xmlns:a16="http://schemas.microsoft.com/office/drawing/2014/main" id="{E0939BBC-ADD4-6261-4FA4-A1802C93FF9F}"/>
+                <a16:creationId xmlns:a16="http://schemas.microsoft.com/office/drawing/2014/main" id="{8DE47152-E97C-D165-5E8B-B08F85C6778A}"/>
               </a:ext>
             </a:extLst>
           </p:cNvPr>
@@ -856,7 +856,7 @@
           <a:bodyPr/>
           <a:lstStyle/>
           <a:p>
-            <a:fld id="{23F7F69E-0ECB-4D38-9E86-E9B459221D34}" type="datetimeFigureOut">
+            <a:fld id="{D30E4AF2-CB2E-42C3-AC16-61C584CF3D99}" type="datetimeFigureOut">
               <a:rPr lang="zh-CN" altLang="en-US" smtClean="0"/>
               <a:t>2024/3/10</a:t>
             </a:fld>
@@ -869,7 +869,7 @@
           <p:cNvPr id="5" name="页脚占位符 4">
             <a:extLst>
               <a:ext uri="{FF2B5EF4-FFF2-40B4-BE49-F238E27FC236}">
-                <a16:creationId xmlns:a16="http://schemas.microsoft.com/office/drawing/2014/main" id="{37E30FEC-D7A3-A14D-6BCF-8A0CDBA27C2E}"/>
+                <a16:creationId xmlns:a16="http://schemas.microsoft.com/office/drawing/2014/main" id="{D35999F0-5D41-6559-34B3-56DD25176182}"/>
               </a:ext>
             </a:extLst>
           </p:cNvPr>
@@ -894,7 +894,7 @@
           <p:cNvPr id="6" name="灯片编号占位符 5">
             <a:extLst>
               <a:ext uri="{FF2B5EF4-FFF2-40B4-BE49-F238E27FC236}">
-                <a16:creationId xmlns:a16="http://schemas.microsoft.com/office/drawing/2014/main" id="{88A9D1B9-ADDD-7391-5990-D2BBF1110EC1}"/>
+                <a16:creationId xmlns:a16="http://schemas.microsoft.com/office/drawing/2014/main" id="{92BD5E10-0D0C-94D2-C4B5-952DB693A73B}"/>
               </a:ext>
             </a:extLst>
           </p:cNvPr>
@@ -910,7 +910,7 @@
           <a:bodyPr/>
           <a:lstStyle/>
           <a:p>
-            <a:fld id="{4E8D0D2B-D10B-4E89-80A3-C7707E7E02FC}" type="slidenum">
+            <a:fld id="{9CC98D00-6EA9-43CD-A69A-B06897DADFE1}" type="slidenum">
               <a:rPr lang="zh-CN" altLang="en-US" smtClean="0"/>
               <a:t>‹#›</a:t>
             </a:fld>
@@ -921,7 +921,7 @@
     </p:spTree>
     <p:extLst>
       <p:ext uri="{BB962C8B-B14F-4D97-AF65-F5344CB8AC3E}">
-        <p14:creationId xmlns:p14="http://schemas.microsoft.com/office/powerpoint/2010/main" val="3487294378"/>
+        <p14:creationId xmlns:p14="http://schemas.microsoft.com/office/powerpoint/2010/main" val="2091304164"/>
       </p:ext>
     </p:extLst>
   </p:cSld>
@@ -953,7 +953,7 @@
           <p:cNvPr id="2" name="标题 1">
             <a:extLst>
               <a:ext uri="{FF2B5EF4-FFF2-40B4-BE49-F238E27FC236}">
-                <a16:creationId xmlns:a16="http://schemas.microsoft.com/office/drawing/2014/main" id="{58F27FAD-2284-2855-E1CA-F75406766A5C}"/>
+                <a16:creationId xmlns:a16="http://schemas.microsoft.com/office/drawing/2014/main" id="{C947FBEF-9D33-780F-67F2-14CB3F568D01}"/>
               </a:ext>
             </a:extLst>
           </p:cNvPr>
@@ -990,7 +990,7 @@
           <p:cNvPr id="3" name="文本占位符 2">
             <a:extLst>
               <a:ext uri="{FF2B5EF4-FFF2-40B4-BE49-F238E27FC236}">
-                <a16:creationId xmlns:a16="http://schemas.microsoft.com/office/drawing/2014/main" id="{ABFFDC21-D904-4BB5-598D-FBFB1E3F98F1}"/>
+                <a16:creationId xmlns:a16="http://schemas.microsoft.com/office/drawing/2014/main" id="{9CCED14B-07E1-4D29-347B-7F6176B75DD4}"/>
               </a:ext>
             </a:extLst>
           </p:cNvPr>
@@ -1115,7 +1115,7 @@
           <p:cNvPr id="4" name="日期占位符 3">
             <a:extLst>
               <a:ext uri="{FF2B5EF4-FFF2-40B4-BE49-F238E27FC236}">
-                <a16:creationId xmlns:a16="http://schemas.microsoft.com/office/drawing/2014/main" id="{7A874676-1A0B-12D2-A028-DC8FD4396AA8}"/>
+                <a16:creationId xmlns:a16="http://schemas.microsoft.com/office/drawing/2014/main" id="{1A73C013-2109-8168-0BC8-6BE717FB04D1}"/>
               </a:ext>
             </a:extLst>
           </p:cNvPr>
@@ -1131,7 +1131,7 @@
           <a:bodyPr/>
           <a:lstStyle/>
           <a:p>
-            <a:fld id="{23F7F69E-0ECB-4D38-9E86-E9B459221D34}" type="datetimeFigureOut">
+            <a:fld id="{D30E4AF2-CB2E-42C3-AC16-61C584CF3D99}" type="datetimeFigureOut">
               <a:rPr lang="zh-CN" altLang="en-US" smtClean="0"/>
               <a:t>2024/3/10</a:t>
             </a:fld>
@@ -1144,7 +1144,7 @@
           <p:cNvPr id="5" name="页脚占位符 4">
             <a:extLst>
               <a:ext uri="{FF2B5EF4-FFF2-40B4-BE49-F238E27FC236}">
-                <a16:creationId xmlns:a16="http://schemas.microsoft.com/office/drawing/2014/main" id="{F1F15CCE-9F01-2130-D4BC-498C72A265EF}"/>
+                <a16:creationId xmlns:a16="http://schemas.microsoft.com/office/drawing/2014/main" id="{F6BEA53A-3E54-0EC1-DFDF-5E136A844894}"/>
               </a:ext>
             </a:extLst>
           </p:cNvPr>
@@ -1169,7 +1169,7 @@
           <p:cNvPr id="6" name="灯片编号占位符 5">
             <a:extLst>
               <a:ext uri="{FF2B5EF4-FFF2-40B4-BE49-F238E27FC236}">
-                <a16:creationId xmlns:a16="http://schemas.microsoft.com/office/drawing/2014/main" id="{D2DA947D-8578-CADD-3928-EA35CFDD9E2A}"/>
+                <a16:creationId xmlns:a16="http://schemas.microsoft.com/office/drawing/2014/main" id="{80506EF5-BF1E-B124-B50C-093603393FEF}"/>
               </a:ext>
             </a:extLst>
           </p:cNvPr>
@@ -1185,7 +1185,7 @@
           <a:bodyPr/>
           <a:lstStyle/>
           <a:p>
-            <a:fld id="{4E8D0D2B-D10B-4E89-80A3-C7707E7E02FC}" type="slidenum">
+            <a:fld id="{9CC98D00-6EA9-43CD-A69A-B06897DADFE1}" type="slidenum">
               <a:rPr lang="zh-CN" altLang="en-US" smtClean="0"/>
               <a:t>‹#›</a:t>
             </a:fld>
@@ -1196,7 +1196,7 @@
     </p:spTree>
     <p:extLst>
       <p:ext uri="{BB962C8B-B14F-4D97-AF65-F5344CB8AC3E}">
-        <p14:creationId xmlns:p14="http://schemas.microsoft.com/office/powerpoint/2010/main" val="2890133530"/>
+        <p14:creationId xmlns:p14="http://schemas.microsoft.com/office/powerpoint/2010/main" val="1322838803"/>
       </p:ext>
     </p:extLst>
   </p:cSld>
@@ -1228,7 +1228,7 @@
           <p:cNvPr id="2" name="标题 1">
             <a:extLst>
               <a:ext uri="{FF2B5EF4-FFF2-40B4-BE49-F238E27FC236}">
-                <a16:creationId xmlns:a16="http://schemas.microsoft.com/office/drawing/2014/main" id="{76A8E54A-4223-FF5A-7F5C-D78A4CBD5DCB}"/>
+                <a16:creationId xmlns:a16="http://schemas.microsoft.com/office/drawing/2014/main" id="{3F74AF30-D2EB-5B44-AF3C-90C5CEB5DD49}"/>
               </a:ext>
             </a:extLst>
           </p:cNvPr>
@@ -1256,7 +1256,7 @@
           <p:cNvPr id="3" name="内容占位符 2">
             <a:extLst>
               <a:ext uri="{FF2B5EF4-FFF2-40B4-BE49-F238E27FC236}">
-                <a16:creationId xmlns:a16="http://schemas.microsoft.com/office/drawing/2014/main" id="{3A48FFC4-0FE9-4286-DCB2-657C7B2DC7AE}"/>
+                <a16:creationId xmlns:a16="http://schemas.microsoft.com/office/drawing/2014/main" id="{1596F6E7-968E-493F-1AFB-6FBBCC4118AA}"/>
               </a:ext>
             </a:extLst>
           </p:cNvPr>
@@ -1318,7 +1318,7 @@
           <p:cNvPr id="4" name="内容占位符 3">
             <a:extLst>
               <a:ext uri="{FF2B5EF4-FFF2-40B4-BE49-F238E27FC236}">
-                <a16:creationId xmlns:a16="http://schemas.microsoft.com/office/drawing/2014/main" id="{1D3D0418-5541-E690-0453-43461DD38485}"/>
+                <a16:creationId xmlns:a16="http://schemas.microsoft.com/office/drawing/2014/main" id="{EDE92206-DE6B-66FB-9683-FFFA26D3A3A0}"/>
               </a:ext>
             </a:extLst>
           </p:cNvPr>
@@ -1380,7 +1380,7 @@
           <p:cNvPr id="5" name="日期占位符 4">
             <a:extLst>
               <a:ext uri="{FF2B5EF4-FFF2-40B4-BE49-F238E27FC236}">
-                <a16:creationId xmlns:a16="http://schemas.microsoft.com/office/drawing/2014/main" id="{DFB5285B-8F44-85A4-BCAC-A541C9491509}"/>
+                <a16:creationId xmlns:a16="http://schemas.microsoft.com/office/drawing/2014/main" id="{3EEE780E-24BD-D344-EB1A-B52EC297AA2C}"/>
               </a:ext>
             </a:extLst>
           </p:cNvPr>
@@ -1396,7 +1396,7 @@
           <a:bodyPr/>
           <a:lstStyle/>
           <a:p>
-            <a:fld id="{23F7F69E-0ECB-4D38-9E86-E9B459221D34}" type="datetimeFigureOut">
+            <a:fld id="{D30E4AF2-CB2E-42C3-AC16-61C584CF3D99}" type="datetimeFigureOut">
               <a:rPr lang="zh-CN" altLang="en-US" smtClean="0"/>
               <a:t>2024/3/10</a:t>
             </a:fld>
@@ -1409,7 +1409,7 @@
           <p:cNvPr id="6" name="页脚占位符 5">
             <a:extLst>
               <a:ext uri="{FF2B5EF4-FFF2-40B4-BE49-F238E27FC236}">
-                <a16:creationId xmlns:a16="http://schemas.microsoft.com/office/drawing/2014/main" id="{32594B38-DD2F-B9F7-B2DB-851C50B4ADAF}"/>
+                <a16:creationId xmlns:a16="http://schemas.microsoft.com/office/drawing/2014/main" id="{F13F6D41-0F8B-6817-B729-62898026AF5B}"/>
               </a:ext>
             </a:extLst>
           </p:cNvPr>
@@ -1434,7 +1434,7 @@
           <p:cNvPr id="7" name="灯片编号占位符 6">
             <a:extLst>
               <a:ext uri="{FF2B5EF4-FFF2-40B4-BE49-F238E27FC236}">
-                <a16:creationId xmlns:a16="http://schemas.microsoft.com/office/drawing/2014/main" id="{A08A36C1-309D-57BC-E475-6D9AD5A1ECEE}"/>
+                <a16:creationId xmlns:a16="http://schemas.microsoft.com/office/drawing/2014/main" id="{7B2074CC-9FA2-751C-88B1-5CB5DF1FE308}"/>
               </a:ext>
             </a:extLst>
           </p:cNvPr>
@@ -1450,7 +1450,7 @@
           <a:bodyPr/>
           <a:lstStyle/>
           <a:p>
-            <a:fld id="{4E8D0D2B-D10B-4E89-80A3-C7707E7E02FC}" type="slidenum">
+            <a:fld id="{9CC98D00-6EA9-43CD-A69A-B06897DADFE1}" type="slidenum">
               <a:rPr lang="zh-CN" altLang="en-US" smtClean="0"/>
               <a:t>‹#›</a:t>
             </a:fld>
@@ -1461,7 +1461,7 @@
     </p:spTree>
     <p:extLst>
       <p:ext uri="{BB962C8B-B14F-4D97-AF65-F5344CB8AC3E}">
-        <p14:creationId xmlns:p14="http://schemas.microsoft.com/office/powerpoint/2010/main" val="150044434"/>
+        <p14:creationId xmlns:p14="http://schemas.microsoft.com/office/powerpoint/2010/main" val="3860997096"/>
       </p:ext>
     </p:extLst>
   </p:cSld>
@@ -1493,7 +1493,7 @@
           <p:cNvPr id="2" name="标题 1">
             <a:extLst>
               <a:ext uri="{FF2B5EF4-FFF2-40B4-BE49-F238E27FC236}">
-                <a16:creationId xmlns:a16="http://schemas.microsoft.com/office/drawing/2014/main" id="{EEB601B7-87E6-678A-2DAE-3CFE11B13442}"/>
+                <a16:creationId xmlns:a16="http://schemas.microsoft.com/office/drawing/2014/main" id="{D93DA95D-4E5A-A948-109E-9EE6F9CFCEDA}"/>
               </a:ext>
             </a:extLst>
           </p:cNvPr>
@@ -1526,7 +1526,7 @@
           <p:cNvPr id="3" name="文本占位符 2">
             <a:extLst>
               <a:ext uri="{FF2B5EF4-FFF2-40B4-BE49-F238E27FC236}">
-                <a16:creationId xmlns:a16="http://schemas.microsoft.com/office/drawing/2014/main" id="{616895B6-55B9-BBEB-5192-AB83141CB0E1}"/>
+                <a16:creationId xmlns:a16="http://schemas.microsoft.com/office/drawing/2014/main" id="{B2E85A6D-7FD1-FD2E-0F26-992D4B36FAD5}"/>
               </a:ext>
             </a:extLst>
           </p:cNvPr>
@@ -1597,7 +1597,7 @@
           <p:cNvPr id="4" name="内容占位符 3">
             <a:extLst>
               <a:ext uri="{FF2B5EF4-FFF2-40B4-BE49-F238E27FC236}">
-                <a16:creationId xmlns:a16="http://schemas.microsoft.com/office/drawing/2014/main" id="{A6E74930-9683-10C2-4DFB-BCB53B8EF10C}"/>
+                <a16:creationId xmlns:a16="http://schemas.microsoft.com/office/drawing/2014/main" id="{7563BFE9-21D5-FF4F-9202-E742AC1FFDBF}"/>
               </a:ext>
             </a:extLst>
           </p:cNvPr>
@@ -1659,7 +1659,7 @@
           <p:cNvPr id="5" name="文本占位符 4">
             <a:extLst>
               <a:ext uri="{FF2B5EF4-FFF2-40B4-BE49-F238E27FC236}">
-                <a16:creationId xmlns:a16="http://schemas.microsoft.com/office/drawing/2014/main" id="{89EC624D-5C65-5DB5-6E66-11D7987CB658}"/>
+                <a16:creationId xmlns:a16="http://schemas.microsoft.com/office/drawing/2014/main" id="{39F1BD6D-28B4-F3DD-6F66-C3A5D690B4F7}"/>
               </a:ext>
             </a:extLst>
           </p:cNvPr>
@@ -1730,7 +1730,7 @@
           <p:cNvPr id="6" name="内容占位符 5">
             <a:extLst>
               <a:ext uri="{FF2B5EF4-FFF2-40B4-BE49-F238E27FC236}">
-                <a16:creationId xmlns:a16="http://schemas.microsoft.com/office/drawing/2014/main" id="{34B1DA4B-4EB1-7CB3-4848-C7D24CA476CF}"/>
+                <a16:creationId xmlns:a16="http://schemas.microsoft.com/office/drawing/2014/main" id="{1C1D23A3-04DE-5E7D-346D-51F066261083}"/>
               </a:ext>
             </a:extLst>
           </p:cNvPr>
@@ -1792,7 +1792,7 @@
           <p:cNvPr id="7" name="日期占位符 6">
             <a:extLst>
               <a:ext uri="{FF2B5EF4-FFF2-40B4-BE49-F238E27FC236}">
-                <a16:creationId xmlns:a16="http://schemas.microsoft.com/office/drawing/2014/main" id="{33C35F59-015A-D1EB-650B-C12DF5C38314}"/>
+                <a16:creationId xmlns:a16="http://schemas.microsoft.com/office/drawing/2014/main" id="{FC1AE004-2E9D-7AE9-2C83-BB3AC70E2670}"/>
               </a:ext>
             </a:extLst>
           </p:cNvPr>
@@ -1808,7 +1808,7 @@
           <a:bodyPr/>
           <a:lstStyle/>
           <a:p>
-            <a:fld id="{23F7F69E-0ECB-4D38-9E86-E9B459221D34}" type="datetimeFigureOut">
+            <a:fld id="{D30E4AF2-CB2E-42C3-AC16-61C584CF3D99}" type="datetimeFigureOut">
               <a:rPr lang="zh-CN" altLang="en-US" smtClean="0"/>
               <a:t>2024/3/10</a:t>
             </a:fld>
@@ -1821,7 +1821,7 @@
           <p:cNvPr id="8" name="页脚占位符 7">
             <a:extLst>
               <a:ext uri="{FF2B5EF4-FFF2-40B4-BE49-F238E27FC236}">
-                <a16:creationId xmlns:a16="http://schemas.microsoft.com/office/drawing/2014/main" id="{36E5ED14-F6A8-6433-AC38-B60F7C3A6FEE}"/>
+                <a16:creationId xmlns:a16="http://schemas.microsoft.com/office/drawing/2014/main" id="{D5A8FA99-5319-85DE-87BC-DC091FD9B98C}"/>
               </a:ext>
             </a:extLst>
           </p:cNvPr>
@@ -1846,7 +1846,7 @@
           <p:cNvPr id="9" name="灯片编号占位符 8">
             <a:extLst>
               <a:ext uri="{FF2B5EF4-FFF2-40B4-BE49-F238E27FC236}">
-                <a16:creationId xmlns:a16="http://schemas.microsoft.com/office/drawing/2014/main" id="{1D666B8B-5FAB-E324-2D60-00DD13837D41}"/>
+                <a16:creationId xmlns:a16="http://schemas.microsoft.com/office/drawing/2014/main" id="{0AF621B5-4EA0-1C76-3689-F55B950CE17F}"/>
               </a:ext>
             </a:extLst>
           </p:cNvPr>
@@ -1862,7 +1862,7 @@
           <a:bodyPr/>
           <a:lstStyle/>
           <a:p>
-            <a:fld id="{4E8D0D2B-D10B-4E89-80A3-C7707E7E02FC}" type="slidenum">
+            <a:fld id="{9CC98D00-6EA9-43CD-A69A-B06897DADFE1}" type="slidenum">
               <a:rPr lang="zh-CN" altLang="en-US" smtClean="0"/>
               <a:t>‹#›</a:t>
             </a:fld>
@@ -1873,7 +1873,7 @@
     </p:spTree>
     <p:extLst>
       <p:ext uri="{BB962C8B-B14F-4D97-AF65-F5344CB8AC3E}">
-        <p14:creationId xmlns:p14="http://schemas.microsoft.com/office/powerpoint/2010/main" val="2566731947"/>
+        <p14:creationId xmlns:p14="http://schemas.microsoft.com/office/powerpoint/2010/main" val="3683414420"/>
       </p:ext>
     </p:extLst>
   </p:cSld>
@@ -1905,7 +1905,7 @@
           <p:cNvPr id="2" name="标题 1">
             <a:extLst>
               <a:ext uri="{FF2B5EF4-FFF2-40B4-BE49-F238E27FC236}">
-                <a16:creationId xmlns:a16="http://schemas.microsoft.com/office/drawing/2014/main" id="{E6FC80E0-C120-7756-7E96-1F9D599E988A}"/>
+                <a16:creationId xmlns:a16="http://schemas.microsoft.com/office/drawing/2014/main" id="{71C5DB04-A71F-B1CE-3B6C-6D020CD3D3B4}"/>
               </a:ext>
             </a:extLst>
           </p:cNvPr>
@@ -1933,7 +1933,7 @@
           <p:cNvPr id="3" name="日期占位符 2">
             <a:extLst>
               <a:ext uri="{FF2B5EF4-FFF2-40B4-BE49-F238E27FC236}">
-                <a16:creationId xmlns:a16="http://schemas.microsoft.com/office/drawing/2014/main" id="{4FBF3755-766C-2602-2CF0-02B26A3BA0E9}"/>
+                <a16:creationId xmlns:a16="http://schemas.microsoft.com/office/drawing/2014/main" id="{D0278C7E-4836-1C3E-71E7-5779C07208A4}"/>
               </a:ext>
             </a:extLst>
           </p:cNvPr>
@@ -1949,7 +1949,7 @@
           <a:bodyPr/>
           <a:lstStyle/>
           <a:p>
-            <a:fld id="{23F7F69E-0ECB-4D38-9E86-E9B459221D34}" type="datetimeFigureOut">
+            <a:fld id="{D30E4AF2-CB2E-42C3-AC16-61C584CF3D99}" type="datetimeFigureOut">
               <a:rPr lang="zh-CN" altLang="en-US" smtClean="0"/>
               <a:t>2024/3/10</a:t>
             </a:fld>
@@ -1962,7 +1962,7 @@
           <p:cNvPr id="4" name="页脚占位符 3">
             <a:extLst>
               <a:ext uri="{FF2B5EF4-FFF2-40B4-BE49-F238E27FC236}">
-                <a16:creationId xmlns:a16="http://schemas.microsoft.com/office/drawing/2014/main" id="{2433A74B-1E24-E88B-D372-D600951D2542}"/>
+                <a16:creationId xmlns:a16="http://schemas.microsoft.com/office/drawing/2014/main" id="{8EC6AB14-9C71-392E-0CAC-84BD1067A943}"/>
               </a:ext>
             </a:extLst>
           </p:cNvPr>
@@ -1987,7 +1987,7 @@
           <p:cNvPr id="5" name="灯片编号占位符 4">
             <a:extLst>
               <a:ext uri="{FF2B5EF4-FFF2-40B4-BE49-F238E27FC236}">
-                <a16:creationId xmlns:a16="http://schemas.microsoft.com/office/drawing/2014/main" id="{58CE530B-5959-D821-5268-39B202F04A17}"/>
+                <a16:creationId xmlns:a16="http://schemas.microsoft.com/office/drawing/2014/main" id="{8709271E-213E-A9C7-1BEE-7F463D2CEF9E}"/>
               </a:ext>
             </a:extLst>
           </p:cNvPr>
@@ -2003,7 +2003,7 @@
           <a:bodyPr/>
           <a:lstStyle/>
           <a:p>
-            <a:fld id="{4E8D0D2B-D10B-4E89-80A3-C7707E7E02FC}" type="slidenum">
+            <a:fld id="{9CC98D00-6EA9-43CD-A69A-B06897DADFE1}" type="slidenum">
               <a:rPr lang="zh-CN" altLang="en-US" smtClean="0"/>
               <a:t>‹#›</a:t>
             </a:fld>
@@ -2014,7 +2014,7 @@
     </p:spTree>
     <p:extLst>
       <p:ext uri="{BB962C8B-B14F-4D97-AF65-F5344CB8AC3E}">
-        <p14:creationId xmlns:p14="http://schemas.microsoft.com/office/powerpoint/2010/main" val="2031834962"/>
+        <p14:creationId xmlns:p14="http://schemas.microsoft.com/office/powerpoint/2010/main" val="564825761"/>
       </p:ext>
     </p:extLst>
   </p:cSld>
@@ -2046,7 +2046,7 @@
           <p:cNvPr id="2" name="日期占位符 1">
             <a:extLst>
               <a:ext uri="{FF2B5EF4-FFF2-40B4-BE49-F238E27FC236}">
-                <a16:creationId xmlns:a16="http://schemas.microsoft.com/office/drawing/2014/main" id="{A24C9A37-0490-D207-8BEF-EE2FA16B7892}"/>
+                <a16:creationId xmlns:a16="http://schemas.microsoft.com/office/drawing/2014/main" id="{64491942-2E0B-8C82-F633-D8E9EBB21203}"/>
               </a:ext>
             </a:extLst>
           </p:cNvPr>
@@ -2062,7 +2062,7 @@
           <a:bodyPr/>
           <a:lstStyle/>
           <a:p>
-            <a:fld id="{23F7F69E-0ECB-4D38-9E86-E9B459221D34}" type="datetimeFigureOut">
+            <a:fld id="{D30E4AF2-CB2E-42C3-AC16-61C584CF3D99}" type="datetimeFigureOut">
               <a:rPr lang="zh-CN" altLang="en-US" smtClean="0"/>
               <a:t>2024/3/10</a:t>
             </a:fld>
@@ -2075,7 +2075,7 @@
           <p:cNvPr id="3" name="页脚占位符 2">
             <a:extLst>
               <a:ext uri="{FF2B5EF4-FFF2-40B4-BE49-F238E27FC236}">
-                <a16:creationId xmlns:a16="http://schemas.microsoft.com/office/drawing/2014/main" id="{6264D346-FC5D-2F0E-6B45-CD9FD3484B4C}"/>
+                <a16:creationId xmlns:a16="http://schemas.microsoft.com/office/drawing/2014/main" id="{157C4116-1F3C-2746-0662-990093B43D7D}"/>
               </a:ext>
             </a:extLst>
           </p:cNvPr>
@@ -2100,7 +2100,7 @@
           <p:cNvPr id="4" name="灯片编号占位符 3">
             <a:extLst>
               <a:ext uri="{FF2B5EF4-FFF2-40B4-BE49-F238E27FC236}">
-                <a16:creationId xmlns:a16="http://schemas.microsoft.com/office/drawing/2014/main" id="{A52D980F-6F4A-C879-0AEF-055EDFA4E159}"/>
+                <a16:creationId xmlns:a16="http://schemas.microsoft.com/office/drawing/2014/main" id="{775B2175-10CE-4C43-ADEC-3D4C1650EE1D}"/>
               </a:ext>
             </a:extLst>
           </p:cNvPr>
@@ -2116,7 +2116,7 @@
           <a:bodyPr/>
           <a:lstStyle/>
           <a:p>
-            <a:fld id="{4E8D0D2B-D10B-4E89-80A3-C7707E7E02FC}" type="slidenum">
+            <a:fld id="{9CC98D00-6EA9-43CD-A69A-B06897DADFE1}" type="slidenum">
               <a:rPr lang="zh-CN" altLang="en-US" smtClean="0"/>
               <a:t>‹#›</a:t>
             </a:fld>
@@ -2127,7 +2127,7 @@
     </p:spTree>
     <p:extLst>
       <p:ext uri="{BB962C8B-B14F-4D97-AF65-F5344CB8AC3E}">
-        <p14:creationId xmlns:p14="http://schemas.microsoft.com/office/powerpoint/2010/main" val="3284792392"/>
+        <p14:creationId xmlns:p14="http://schemas.microsoft.com/office/powerpoint/2010/main" val="1765695375"/>
       </p:ext>
     </p:extLst>
   </p:cSld>
@@ -2159,7 +2159,7 @@
           <p:cNvPr id="2" name="标题 1">
             <a:extLst>
               <a:ext uri="{FF2B5EF4-FFF2-40B4-BE49-F238E27FC236}">
-                <a16:creationId xmlns:a16="http://schemas.microsoft.com/office/drawing/2014/main" id="{77DD1D18-9514-E26E-D0C5-68347F8F615F}"/>
+                <a16:creationId xmlns:a16="http://schemas.microsoft.com/office/drawing/2014/main" id="{57F56402-A760-0B3F-1712-91FFEEDE77FE}"/>
               </a:ext>
             </a:extLst>
           </p:cNvPr>
@@ -2196,7 +2196,7 @@
           <p:cNvPr id="3" name="内容占位符 2">
             <a:extLst>
               <a:ext uri="{FF2B5EF4-FFF2-40B4-BE49-F238E27FC236}">
-                <a16:creationId xmlns:a16="http://schemas.microsoft.com/office/drawing/2014/main" id="{8C8DEEE4-DE1F-4219-52FA-07438698BA87}"/>
+                <a16:creationId xmlns:a16="http://schemas.microsoft.com/office/drawing/2014/main" id="{88CD9A4A-08DC-F482-3F7D-02FEF1CB8AE4}"/>
               </a:ext>
             </a:extLst>
           </p:cNvPr>
@@ -2286,7 +2286,7 @@
           <p:cNvPr id="4" name="文本占位符 3">
             <a:extLst>
               <a:ext uri="{FF2B5EF4-FFF2-40B4-BE49-F238E27FC236}">
-                <a16:creationId xmlns:a16="http://schemas.microsoft.com/office/drawing/2014/main" id="{155505D5-8EF1-0519-9DA3-82DEF8579486}"/>
+                <a16:creationId xmlns:a16="http://schemas.microsoft.com/office/drawing/2014/main" id="{0B2DEFBF-3CDB-F0AB-C688-1BDE4025CAFF}"/>
               </a:ext>
             </a:extLst>
           </p:cNvPr>
@@ -2357,7 +2357,7 @@
           <p:cNvPr id="5" name="日期占位符 4">
             <a:extLst>
               <a:ext uri="{FF2B5EF4-FFF2-40B4-BE49-F238E27FC236}">
-                <a16:creationId xmlns:a16="http://schemas.microsoft.com/office/drawing/2014/main" id="{462C66C5-68A5-5BBF-443A-53C1E7050940}"/>
+                <a16:creationId xmlns:a16="http://schemas.microsoft.com/office/drawing/2014/main" id="{338AE860-16C6-AEEC-8195-FDAAC2EAE0A8}"/>
               </a:ext>
             </a:extLst>
           </p:cNvPr>
@@ -2373,7 +2373,7 @@
           <a:bodyPr/>
           <a:lstStyle/>
           <a:p>
-            <a:fld id="{23F7F69E-0ECB-4D38-9E86-E9B459221D34}" type="datetimeFigureOut">
+            <a:fld id="{D30E4AF2-CB2E-42C3-AC16-61C584CF3D99}" type="datetimeFigureOut">
               <a:rPr lang="zh-CN" altLang="en-US" smtClean="0"/>
               <a:t>2024/3/10</a:t>
             </a:fld>
@@ -2386,7 +2386,7 @@
           <p:cNvPr id="6" name="页脚占位符 5">
             <a:extLst>
               <a:ext uri="{FF2B5EF4-FFF2-40B4-BE49-F238E27FC236}">
-                <a16:creationId xmlns:a16="http://schemas.microsoft.com/office/drawing/2014/main" id="{A771F8AF-C42F-7CC0-931E-FA4F5ACDFF34}"/>
+                <a16:creationId xmlns:a16="http://schemas.microsoft.com/office/drawing/2014/main" id="{605F6294-C581-50B5-6E25-BA4E4FE93B11}"/>
               </a:ext>
             </a:extLst>
           </p:cNvPr>
@@ -2411,7 +2411,7 @@
           <p:cNvPr id="7" name="灯片编号占位符 6">
             <a:extLst>
               <a:ext uri="{FF2B5EF4-FFF2-40B4-BE49-F238E27FC236}">
-                <a16:creationId xmlns:a16="http://schemas.microsoft.com/office/drawing/2014/main" id="{35F93AF3-2CF2-1A7E-32FF-F97D31733068}"/>
+                <a16:creationId xmlns:a16="http://schemas.microsoft.com/office/drawing/2014/main" id="{ED800DF0-8EA8-CD20-B739-8FF1D642D881}"/>
               </a:ext>
             </a:extLst>
           </p:cNvPr>
@@ -2427,7 +2427,7 @@
           <a:bodyPr/>
           <a:lstStyle/>
           <a:p>
-            <a:fld id="{4E8D0D2B-D10B-4E89-80A3-C7707E7E02FC}" type="slidenum">
+            <a:fld id="{9CC98D00-6EA9-43CD-A69A-B06897DADFE1}" type="slidenum">
               <a:rPr lang="zh-CN" altLang="en-US" smtClean="0"/>
               <a:t>‹#›</a:t>
             </a:fld>
@@ -2438,7 +2438,7 @@
     </p:spTree>
     <p:extLst>
       <p:ext uri="{BB962C8B-B14F-4D97-AF65-F5344CB8AC3E}">
-        <p14:creationId xmlns:p14="http://schemas.microsoft.com/office/powerpoint/2010/main" val="1713783382"/>
+        <p14:creationId xmlns:p14="http://schemas.microsoft.com/office/powerpoint/2010/main" val="750059274"/>
       </p:ext>
     </p:extLst>
   </p:cSld>
@@ -2470,7 +2470,7 @@
           <p:cNvPr id="2" name="标题 1">
             <a:extLst>
               <a:ext uri="{FF2B5EF4-FFF2-40B4-BE49-F238E27FC236}">
-                <a16:creationId xmlns:a16="http://schemas.microsoft.com/office/drawing/2014/main" id="{1A3D3D4E-B138-060E-5CAE-EC6D83C215D3}"/>
+                <a16:creationId xmlns:a16="http://schemas.microsoft.com/office/drawing/2014/main" id="{4CE28EDF-D11D-9C7D-112B-70D41623870A}"/>
               </a:ext>
             </a:extLst>
           </p:cNvPr>
@@ -2507,7 +2507,7 @@
           <p:cNvPr id="3" name="图片占位符 2">
             <a:extLst>
               <a:ext uri="{FF2B5EF4-FFF2-40B4-BE49-F238E27FC236}">
-                <a16:creationId xmlns:a16="http://schemas.microsoft.com/office/drawing/2014/main" id="{A5E01FED-C482-C4B6-95AF-FF2D03756432}"/>
+                <a16:creationId xmlns:a16="http://schemas.microsoft.com/office/drawing/2014/main" id="{0C844D71-3527-1BEE-BEDE-EF8A58D55F57}"/>
               </a:ext>
             </a:extLst>
           </p:cNvPr>
@@ -2574,7 +2574,7 @@
           <p:cNvPr id="4" name="文本占位符 3">
             <a:extLst>
               <a:ext uri="{FF2B5EF4-FFF2-40B4-BE49-F238E27FC236}">
-                <a16:creationId xmlns:a16="http://schemas.microsoft.com/office/drawing/2014/main" id="{96E9BAA3-4C0B-7943-C6C0-87435165B81D}"/>
+                <a16:creationId xmlns:a16="http://schemas.microsoft.com/office/drawing/2014/main" id="{CA9C3698-31DC-809E-99A6-C795523E6A05}"/>
               </a:ext>
             </a:extLst>
           </p:cNvPr>
@@ -2645,7 +2645,7 @@
           <p:cNvPr id="5" name="日期占位符 4">
             <a:extLst>
               <a:ext uri="{FF2B5EF4-FFF2-40B4-BE49-F238E27FC236}">
-                <a16:creationId xmlns:a16="http://schemas.microsoft.com/office/drawing/2014/main" id="{EBD704F4-0AE4-DAD1-7CA4-7D2DA0B6DC8C}"/>
+                <a16:creationId xmlns:a16="http://schemas.microsoft.com/office/drawing/2014/main" id="{4645B58E-307F-89D5-CD04-D9C93F96DD9B}"/>
               </a:ext>
             </a:extLst>
           </p:cNvPr>
@@ -2661,7 +2661,7 @@
           <a:bodyPr/>
           <a:lstStyle/>
           <a:p>
-            <a:fld id="{23F7F69E-0ECB-4D38-9E86-E9B459221D34}" type="datetimeFigureOut">
+            <a:fld id="{D30E4AF2-CB2E-42C3-AC16-61C584CF3D99}" type="datetimeFigureOut">
               <a:rPr lang="zh-CN" altLang="en-US" smtClean="0"/>
               <a:t>2024/3/10</a:t>
             </a:fld>
@@ -2674,7 +2674,7 @@
           <p:cNvPr id="6" name="页脚占位符 5">
             <a:extLst>
               <a:ext uri="{FF2B5EF4-FFF2-40B4-BE49-F238E27FC236}">
-                <a16:creationId xmlns:a16="http://schemas.microsoft.com/office/drawing/2014/main" id="{626A8345-EA2D-0BCB-65AD-4BD31DF529D4}"/>
+                <a16:creationId xmlns:a16="http://schemas.microsoft.com/office/drawing/2014/main" id="{EE798AC0-B6BC-89FD-0F9B-A57C8EEFAF19}"/>
               </a:ext>
             </a:extLst>
           </p:cNvPr>
@@ -2699,7 +2699,7 @@
           <p:cNvPr id="7" name="灯片编号占位符 6">
             <a:extLst>
               <a:ext uri="{FF2B5EF4-FFF2-40B4-BE49-F238E27FC236}">
-                <a16:creationId xmlns:a16="http://schemas.microsoft.com/office/drawing/2014/main" id="{B08F421D-C5FC-C88F-2F53-B0F730D9D3D5}"/>
+                <a16:creationId xmlns:a16="http://schemas.microsoft.com/office/drawing/2014/main" id="{57EFFC26-7209-CA33-CB62-07CB0984D7B6}"/>
               </a:ext>
             </a:extLst>
           </p:cNvPr>
@@ -2715,7 +2715,7 @@
           <a:bodyPr/>
           <a:lstStyle/>
           <a:p>
-            <a:fld id="{4E8D0D2B-D10B-4E89-80A3-C7707E7E02FC}" type="slidenum">
+            <a:fld id="{9CC98D00-6EA9-43CD-A69A-B06897DADFE1}" type="slidenum">
               <a:rPr lang="zh-CN" altLang="en-US" smtClean="0"/>
               <a:t>‹#›</a:t>
             </a:fld>
@@ -2726,7 +2726,7 @@
     </p:spTree>
     <p:extLst>
       <p:ext uri="{BB962C8B-B14F-4D97-AF65-F5344CB8AC3E}">
-        <p14:creationId xmlns:p14="http://schemas.microsoft.com/office/powerpoint/2010/main" val="660362584"/>
+        <p14:creationId xmlns:p14="http://schemas.microsoft.com/office/powerpoint/2010/main" val="3873242991"/>
       </p:ext>
     </p:extLst>
   </p:cSld>
@@ -2763,7 +2763,7 @@
           <p:cNvPr id="2" name="标题占位符 1">
             <a:extLst>
               <a:ext uri="{FF2B5EF4-FFF2-40B4-BE49-F238E27FC236}">
-                <a16:creationId xmlns:a16="http://schemas.microsoft.com/office/drawing/2014/main" id="{985D2A77-415D-F2BD-E4A7-FA628274D867}"/>
+                <a16:creationId xmlns:a16="http://schemas.microsoft.com/office/drawing/2014/main" id="{98565C87-6819-41EF-E3B6-92B5D614C436}"/>
               </a:ext>
             </a:extLst>
           </p:cNvPr>
@@ -2801,7 +2801,7 @@
           <p:cNvPr id="3" name="文本占位符 2">
             <a:extLst>
               <a:ext uri="{FF2B5EF4-FFF2-40B4-BE49-F238E27FC236}">
-                <a16:creationId xmlns:a16="http://schemas.microsoft.com/office/drawing/2014/main" id="{B13BBA36-210D-A360-D86D-CC84B53EA491}"/>
+                <a16:creationId xmlns:a16="http://schemas.microsoft.com/office/drawing/2014/main" id="{585FDCDB-CB01-6F3F-5DF7-997A928223E9}"/>
               </a:ext>
             </a:extLst>
           </p:cNvPr>
@@ -2868,7 +2868,7 @@
           <p:cNvPr id="4" name="日期占位符 3">
             <a:extLst>
               <a:ext uri="{FF2B5EF4-FFF2-40B4-BE49-F238E27FC236}">
-                <a16:creationId xmlns:a16="http://schemas.microsoft.com/office/drawing/2014/main" id="{9F01DEF1-C510-C7AF-A635-17DAEEB40B65}"/>
+                <a16:creationId xmlns:a16="http://schemas.microsoft.com/office/drawing/2014/main" id="{30A565A9-8A23-5FD0-0B5E-E1F66620F97A}"/>
               </a:ext>
             </a:extLst>
           </p:cNvPr>
@@ -2902,7 +2902,7 @@
             </a:lvl1pPr>
           </a:lstStyle>
           <a:p>
-            <a:fld id="{23F7F69E-0ECB-4D38-9E86-E9B459221D34}" type="datetimeFigureOut">
+            <a:fld id="{D30E4AF2-CB2E-42C3-AC16-61C584CF3D99}" type="datetimeFigureOut">
               <a:rPr lang="zh-CN" altLang="en-US" smtClean="0"/>
               <a:t>2024/3/10</a:t>
             </a:fld>
@@ -2915,7 +2915,7 @@
           <p:cNvPr id="5" name="页脚占位符 4">
             <a:extLst>
               <a:ext uri="{FF2B5EF4-FFF2-40B4-BE49-F238E27FC236}">
-                <a16:creationId xmlns:a16="http://schemas.microsoft.com/office/drawing/2014/main" id="{3A9BE3C4-2C1C-B70F-5016-55CA7B2A0CB4}"/>
+                <a16:creationId xmlns:a16="http://schemas.microsoft.com/office/drawing/2014/main" id="{37F1E082-BAFC-83F8-1060-1630CD2B3F28}"/>
               </a:ext>
             </a:extLst>
           </p:cNvPr>
@@ -2958,7 +2958,7 @@
           <p:cNvPr id="6" name="灯片编号占位符 5">
             <a:extLst>
               <a:ext uri="{FF2B5EF4-FFF2-40B4-BE49-F238E27FC236}">
-                <a16:creationId xmlns:a16="http://schemas.microsoft.com/office/drawing/2014/main" id="{DB9BDFD3-5E1A-CCBD-2527-735C8DA77C3F}"/>
+                <a16:creationId xmlns:a16="http://schemas.microsoft.com/office/drawing/2014/main" id="{2B133B63-8A6A-730A-9987-E5B48BD58245}"/>
               </a:ext>
             </a:extLst>
           </p:cNvPr>
@@ -2992,7 +2992,7 @@
             </a:lvl1pPr>
           </a:lstStyle>
           <a:p>
-            <a:fld id="{4E8D0D2B-D10B-4E89-80A3-C7707E7E02FC}" type="slidenum">
+            <a:fld id="{9CC98D00-6EA9-43CD-A69A-B06897DADFE1}" type="slidenum">
               <a:rPr lang="zh-CN" altLang="en-US" smtClean="0"/>
               <a:t>‹#›</a:t>
             </a:fld>
@@ -3003,7 +3003,7 @@
     </p:spTree>
     <p:extLst>
       <p:ext uri="{BB962C8B-B14F-4D97-AF65-F5344CB8AC3E}">
-        <p14:creationId xmlns:p14="http://schemas.microsoft.com/office/powerpoint/2010/main" val="3626128453"/>
+        <p14:creationId xmlns:p14="http://schemas.microsoft.com/office/powerpoint/2010/main" val="541042172"/>
       </p:ext>
     </p:extLst>
   </p:cSld>
